--- a/presentation/Senac.pptx
+++ b/presentation/Senac.pptx
@@ -7385,7 +7385,15 @@
           <a:p>
             <a:r>
               <a:rPr lang="en-US" dirty="0" err="1"/>
-              <a:t>Diferença</a:t>
+              <a:t>Vantagen</a:t>
+            </a:r>
+            <a:r>
+              <a:rPr lang="en-US" dirty="0"/>
+              <a:t>/</a:t>
+            </a:r>
+            <a:r>
+              <a:rPr lang="en-US" dirty="0" err="1"/>
+              <a:t>Desvantagens</a:t>
             </a:r>
             <a:r>
               <a:rPr lang="en-US" dirty="0"/>
@@ -7418,34 +7426,9 @@
         </p:spPr>
         <p:txBody>
           <a:bodyPr>
-            <a:normAutofit fontScale="92500" lnSpcReduction="10000"/>
+            <a:normAutofit/>
           </a:bodyPr>
           <a:lstStyle/>
-          <a:p>
-            <a:pPr algn="just"/>
-            <a:r>
-              <a:rPr lang="en-GB" b="1" dirty="0" err="1"/>
-              <a:t>Vantagens</a:t>
-            </a:r>
-            <a:r>
-              <a:rPr lang="en-GB" b="1" dirty="0"/>
-              <a:t> x </a:t>
-            </a:r>
-            <a:r>
-              <a:rPr lang="en-GB" b="1" dirty="0" err="1"/>
-              <a:t>Desvantagens</a:t>
-            </a:r>
-            <a:r>
-              <a:rPr lang="en-GB" b="1" dirty="0"/>
-              <a:t> </a:t>
-            </a:r>
-          </a:p>
-          <a:p>
-            <a:pPr marL="0" indent="0" algn="just">
-              <a:buNone/>
-            </a:pPr>
-            <a:endParaRPr lang="en-GB" dirty="0"/>
-          </a:p>
           <a:p>
             <a:pPr fontAlgn="base"/>
             <a:r>
@@ -9001,7 +8984,7 @@
         </p:nvSpPr>
         <p:spPr>
           <a:xfrm>
-            <a:off x="6210829" y="918301"/>
+            <a:off x="6206596" y="643666"/>
             <a:ext cx="3657600" cy="1754326"/>
           </a:xfrm>
           <a:prstGeom prst="rect">
@@ -9036,6 +9019,19 @@
             </a:gsLst>
             <a:lin ang="5400000" scaled="1"/>
           </a:gradFill>
+          <a:effectLst>
+            <a:outerShdw blurRad="381000" dist="203200" algn="ctr" rotWithShape="0">
+              <a:srgbClr val="000000"/>
+            </a:outerShdw>
+            <a:reflection stA="0" endPos="43000" dir="5400000" sy="-100000" algn="bl" rotWithShape="0"/>
+          </a:effectLst>
+          <a:scene3d>
+            <a:camera prst="orthographicFront"/>
+            <a:lightRig rig="threePt" dir="t"/>
+          </a:scene3d>
+          <a:sp3d extrusionH="241300">
+            <a:bevelT w="0" prst="coolSlant"/>
+          </a:sp3d>
         </p:spPr>
         <p:txBody>
           <a:bodyPr wrap="square" rtlCol="0">
@@ -9119,7 +9115,7 @@
           </a:prstGeom>
           <a:solidFill>
             <a:schemeClr val="accent1">
-              <a:alpha val="26000"/>
+              <a:alpha val="23000"/>
             </a:schemeClr>
           </a:solidFill>
         </p:spPr>

--- a/presentation/Senac.pptx
+++ b/presentation/Senac.pptx
@@ -211,7 +211,7 @@
           <a:p>
             <a:fld id="{E12BDAB7-AB8C-0047-B575-9A94DA6E40D4}" type="datetimeFigureOut">
               <a:rPr lang="en-US" smtClean="0"/>
-              <a:t>6/23/24</a:t>
+              <a:t>6/24/24</a:t>
             </a:fld>
             <a:endParaRPr lang="en-US"/>
           </a:p>
@@ -1200,7 +1200,7 @@
           <a:p>
             <a:fld id="{AED17EC4-0C25-BE4F-8EBF-32DD706A2175}" type="datetime1">
               <a:rPr lang="en-GB" smtClean="0"/>
-              <a:t>23/06/2024</a:t>
+              <a:t>24/06/2024</a:t>
             </a:fld>
             <a:endParaRPr lang="en-US" dirty="0"/>
           </a:p>
@@ -1447,7 +1447,7 @@
           <a:p>
             <a:fld id="{09B2D79D-91C0-BC42-9C11-6CD1F6A14E70}" type="datetime1">
               <a:rPr lang="en-GB" smtClean="0"/>
-              <a:t>23/06/2024</a:t>
+              <a:t>24/06/2024</a:t>
             </a:fld>
             <a:endParaRPr lang="en-US" dirty="0"/>
           </a:p>
@@ -1757,7 +1757,7 @@
           <a:p>
             <a:fld id="{01A0F1AE-27C3-9149-BE11-2B350B151978}" type="datetime1">
               <a:rPr lang="en-GB" smtClean="0"/>
-              <a:t>23/06/2024</a:t>
+              <a:t>24/06/2024</a:t>
             </a:fld>
             <a:endParaRPr lang="en-US" dirty="0"/>
           </a:p>
@@ -2094,7 +2094,7 @@
           <a:p>
             <a:fld id="{6F2AF777-7ED5-E84F-9C30-CF2D963E5F7C}" type="datetime1">
               <a:rPr lang="en-GB" smtClean="0"/>
-              <a:t>23/06/2024</a:t>
+              <a:t>24/06/2024</a:t>
             </a:fld>
             <a:endParaRPr lang="en-US" dirty="0"/>
           </a:p>
@@ -2404,7 +2404,7 @@
           <a:p>
             <a:fld id="{F11D722A-CC99-A34A-8C9F-A59A6A36CF2D}" type="datetime1">
               <a:rPr lang="en-GB" smtClean="0"/>
-              <a:t>23/06/2024</a:t>
+              <a:t>24/06/2024</a:t>
             </a:fld>
             <a:endParaRPr lang="en-US" dirty="0"/>
           </a:p>
@@ -2793,7 +2793,7 @@
           <a:p>
             <a:fld id="{CDE66C44-EAE7-CC4F-AE8C-F4E7E17B98CA}" type="datetime1">
               <a:rPr lang="en-GB" smtClean="0"/>
-              <a:t>23/06/2024</a:t>
+              <a:t>24/06/2024</a:t>
             </a:fld>
             <a:endParaRPr lang="en-US" dirty="0"/>
           </a:p>
@@ -2959,7 +2959,7 @@
           <a:p>
             <a:fld id="{A2331A81-7283-C548-AC52-84340A4D3AB8}" type="datetime1">
               <a:rPr lang="en-GB" smtClean="0"/>
-              <a:t>23/06/2024</a:t>
+              <a:t>24/06/2024</a:t>
             </a:fld>
             <a:endParaRPr lang="en-US" dirty="0"/>
           </a:p>
@@ -3134,7 +3134,7 @@
           <a:p>
             <a:fld id="{42DD5F56-25B6-FA46-BABC-2656A1130299}" type="datetime1">
               <a:rPr lang="en-GB" smtClean="0"/>
-              <a:t>23/06/2024</a:t>
+              <a:t>24/06/2024</a:t>
             </a:fld>
             <a:endParaRPr lang="en-US" dirty="0"/>
           </a:p>
@@ -3306,7 +3306,7 @@
           <a:p>
             <a:fld id="{37D45886-312E-3345-823A-35C709C8977E}" type="datetime1">
               <a:rPr lang="en-GB" smtClean="0"/>
-              <a:t>23/06/2024</a:t>
+              <a:t>24/06/2024</a:t>
             </a:fld>
             <a:endParaRPr lang="en-US" dirty="0"/>
           </a:p>
@@ -3549,7 +3549,7 @@
           <a:p>
             <a:fld id="{79FC7E48-E31E-9640-B8DA-14DDDC05D0A8}" type="datetime1">
               <a:rPr lang="en-GB" smtClean="0"/>
-              <a:t>23/06/2024</a:t>
+              <a:t>24/06/2024</a:t>
             </a:fld>
             <a:endParaRPr lang="en-US" dirty="0"/>
           </a:p>
@@ -3777,7 +3777,7 @@
           <a:p>
             <a:fld id="{6ED278D5-04BD-EC4B-8A5A-1F5F21037C8B}" type="datetime1">
               <a:rPr lang="en-GB" smtClean="0"/>
-              <a:t>23/06/2024</a:t>
+              <a:t>24/06/2024</a:t>
             </a:fld>
             <a:endParaRPr lang="en-US" dirty="0"/>
           </a:p>
@@ -4146,7 +4146,7 @@
           <a:p>
             <a:fld id="{765D23F3-5D4B-464B-96BC-2190DF31C524}" type="datetime1">
               <a:rPr lang="en-GB" smtClean="0"/>
-              <a:t>23/06/2024</a:t>
+              <a:t>24/06/2024</a:t>
             </a:fld>
             <a:endParaRPr lang="en-US" dirty="0"/>
           </a:p>
@@ -4265,7 +4265,7 @@
           <a:p>
             <a:fld id="{A05A0EDE-BD40-0144-942B-99CBB2CC8104}" type="datetime1">
               <a:rPr lang="en-GB" smtClean="0"/>
-              <a:t>23/06/2024</a:t>
+              <a:t>24/06/2024</a:t>
             </a:fld>
             <a:endParaRPr lang="en-US" dirty="0"/>
           </a:p>
@@ -4356,7 +4356,7 @@
           <a:p>
             <a:fld id="{AF428DC0-E605-694E-9C91-9AB70C45BD0E}" type="datetime1">
               <a:rPr lang="en-GB" smtClean="0"/>
-              <a:t>23/06/2024</a:t>
+              <a:t>24/06/2024</a:t>
             </a:fld>
             <a:endParaRPr lang="en-US" dirty="0"/>
           </a:p>
@@ -4607,7 +4607,7 @@
           <a:p>
             <a:fld id="{22D795FB-5107-6F47-B81C-816B939CD9AD}" type="datetime1">
               <a:rPr lang="en-GB" smtClean="0"/>
-              <a:t>23/06/2024</a:t>
+              <a:t>24/06/2024</a:t>
             </a:fld>
             <a:endParaRPr lang="en-US" dirty="0"/>
           </a:p>
@@ -4865,7 +4865,7 @@
           <a:p>
             <a:fld id="{A2B48A0C-04B2-3E4F-A704-40F1652013FA}" type="datetime1">
               <a:rPr lang="en-GB" smtClean="0"/>
-              <a:t>23/06/2024</a:t>
+              <a:t>24/06/2024</a:t>
             </a:fld>
             <a:endParaRPr lang="en-US" dirty="0"/>
           </a:p>
@@ -5604,7 +5604,7 @@
           <a:p>
             <a:fld id="{2958D130-4719-0447-B3FF-BBC85496AC22}" type="datetime1">
               <a:rPr lang="en-GB" smtClean="0"/>
-              <a:t>23/06/2024</a:t>
+              <a:t>24/06/2024</a:t>
             </a:fld>
             <a:endParaRPr lang="en-US" dirty="0"/>
           </a:p>
@@ -6286,7 +6286,7 @@
           <a:p>
             <a:fld id="{DDADB461-1A05-D445-A9C1-5316140811C4}" type="datetime1">
               <a:rPr lang="en-GB" smtClean="0"/>
-              <a:t>23/06/2024</a:t>
+              <a:t>24/06/2024</a:t>
             </a:fld>
             <a:endParaRPr lang="en-US" dirty="0"/>
           </a:p>
@@ -7296,7 +7296,7 @@
           <a:p>
             <a:fld id="{D699A3C4-CFD0-1D49-8AC3-AEA28BD42DF0}" type="datetime1">
               <a:rPr lang="en-GB" smtClean="0"/>
-              <a:t>23/06/2024</a:t>
+              <a:t>24/06/2024</a:t>
             </a:fld>
             <a:endParaRPr lang="en-US" dirty="0"/>
           </a:p>
@@ -8154,7 +8154,7 @@
           <a:p>
             <a:fld id="{D699A3C4-CFD0-1D49-8AC3-AEA28BD42DF0}" type="datetime1">
               <a:rPr lang="en-GB" smtClean="0"/>
-              <a:t>23/06/2024</a:t>
+              <a:t>24/06/2024</a:t>
             </a:fld>
             <a:endParaRPr lang="en-US" dirty="0"/>
           </a:p>
@@ -8400,7 +8400,7 @@
           <a:p>
             <a:fld id="{448168F5-47A6-6D4E-AC3B-D30315587F74}" type="datetime1">
               <a:rPr lang="en-GB" smtClean="0"/>
-              <a:t>23/06/2024</a:t>
+              <a:t>24/06/2024</a:t>
             </a:fld>
             <a:endParaRPr lang="en-US" dirty="0"/>
           </a:p>
@@ -8658,7 +8658,7 @@
           <a:p>
             <a:fld id="{EEBDDEE4-0B3B-B840-866B-83398E81C436}" type="datetime1">
               <a:rPr lang="en-GB" smtClean="0"/>
-              <a:t>23/06/2024</a:t>
+              <a:t>24/06/2024</a:t>
             </a:fld>
             <a:endParaRPr lang="en-US" dirty="0"/>
           </a:p>
@@ -8934,7 +8934,7 @@
           <a:p>
             <a:fld id="{37D45886-312E-3345-823A-35C709C8977E}" type="datetime1">
               <a:rPr lang="en-GB" smtClean="0"/>
-              <a:t>23/06/2024</a:t>
+              <a:t>24/06/2024</a:t>
             </a:fld>
             <a:endParaRPr lang="en-US" dirty="0"/>
           </a:p>
@@ -9298,6 +9298,33 @@
               <a:t> Bean Validation para Request de entrada de dados</a:t>
             </a:r>
           </a:p>
+          <a:p>
+            <a:r>
+              <a:rPr lang="en-US" dirty="0" err="1"/>
+              <a:t>Tratamento</a:t>
+            </a:r>
+            <a:r>
+              <a:rPr lang="en-US" dirty="0"/>
+              <a:t> de </a:t>
+            </a:r>
+            <a:r>
+              <a:rPr lang="en-GB" dirty="0" err="1"/>
+              <a:t>exceção</a:t>
+            </a:r>
+            <a:r>
+              <a:rPr lang="en-GB" dirty="0"/>
+              <a:t>/Exception via </a:t>
+            </a:r>
+            <a:r>
+              <a:rPr lang="en-GB" dirty="0" err="1"/>
+              <a:t>ControllerAdvice</a:t>
+            </a:r>
+            <a:r>
+              <a:rPr lang="en-GB" dirty="0"/>
+              <a:t> (Error Handler)</a:t>
+            </a:r>
+            <a:endParaRPr lang="en-US" dirty="0"/>
+          </a:p>
         </p:txBody>
       </p:sp>
       <p:sp>
@@ -9323,7 +9350,7 @@
           <a:p>
             <a:fld id="{82A3CE21-CC6D-AA40-8A4C-129C7CDBAD48}" type="datetime1">
               <a:rPr lang="en-GB" smtClean="0"/>
-              <a:t>23/06/2024</a:t>
+              <a:t>24/06/2024</a:t>
             </a:fld>
             <a:endParaRPr lang="en-US" dirty="0"/>
           </a:p>
@@ -9813,7 +9840,7 @@
           <a:p>
             <a:fld id="{F32C686B-3E7E-E647-89B2-B9157079D821}" type="datetime1">
               <a:rPr lang="en-GB" smtClean="0"/>
-              <a:t>23/06/2024</a:t>
+              <a:t>24/06/2024</a:t>
             </a:fld>
             <a:endParaRPr lang="en-US" dirty="0"/>
           </a:p>
@@ -10194,7 +10221,7 @@
           <a:p>
             <a:fld id="{012DB70C-E0D0-E149-85F7-A5EDD7C6AB22}" type="datetime1">
               <a:rPr lang="en-GB" smtClean="0"/>
-              <a:t>23/06/2024</a:t>
+              <a:t>24/06/2024</a:t>
             </a:fld>
             <a:endParaRPr lang="en-US" dirty="0"/>
           </a:p>
@@ -10745,7 +10772,7 @@
           <a:p>
             <a:fld id="{E03C36E4-9231-2B44-B2FC-F4FAC23FA943}" type="datetime1">
               <a:rPr lang="en-GB" smtClean="0"/>
-              <a:t>23/06/2024</a:t>
+              <a:t>24/06/2024</a:t>
             </a:fld>
             <a:endParaRPr lang="en-US" dirty="0"/>
           </a:p>
@@ -11362,7 +11389,7 @@
           <a:p>
             <a:fld id="{A45778E2-B784-B941-BD06-5CFC0A1C5EA9}" type="datetime1">
               <a:rPr lang="en-GB" smtClean="0"/>
-              <a:t>23/06/2024</a:t>
+              <a:t>24/06/2024</a:t>
             </a:fld>
             <a:endParaRPr lang="en-US" dirty="0"/>
           </a:p>
@@ -12096,7 +12123,7 @@
           <a:p>
             <a:fld id="{05DAF7C3-4397-794B-A8EA-060B5730AD48}" type="datetime1">
               <a:rPr lang="en-GB" smtClean="0"/>
-              <a:t>23/06/2024</a:t>
+              <a:t>24/06/2024</a:t>
             </a:fld>
             <a:endParaRPr lang="en-US" dirty="0"/>
           </a:p>
@@ -12273,7 +12300,7 @@
           <a:p>
             <a:fld id="{F84C94A6-CBA1-B44E-8DBA-013B4C50373D}" type="datetime1">
               <a:rPr lang="en-GB" smtClean="0"/>
-              <a:t>23/06/2024</a:t>
+              <a:t>24/06/2024</a:t>
             </a:fld>
             <a:endParaRPr lang="en-US" dirty="0"/>
           </a:p>
@@ -12492,7 +12519,7 @@
           <a:p>
             <a:fld id="{1A7ADB49-79A8-EF4A-A55C-6F34AC255F55}" type="datetime1">
               <a:rPr lang="en-GB" smtClean="0"/>
-              <a:t>23/06/2024</a:t>
+              <a:t>24/06/2024</a:t>
             </a:fld>
             <a:endParaRPr lang="en-US" dirty="0"/>
           </a:p>
@@ -13435,7 +13462,7 @@
           <a:p>
             <a:fld id="{D699A3C4-CFD0-1D49-8AC3-AEA28BD42DF0}" type="datetime1">
               <a:rPr lang="en-GB" smtClean="0"/>
-              <a:t>23/06/2024</a:t>
+              <a:t>24/06/2024</a:t>
             </a:fld>
             <a:endParaRPr lang="en-US" dirty="0"/>
           </a:p>

--- a/presentation/Senac.pptx
+++ b/presentation/Senac.pptx
@@ -6771,90 +6771,94 @@
             </a:r>
             <a:r>
               <a:rPr lang="en-GB" dirty="0"/>
-              <a:t> de dados NoSQL </a:t>
-            </a:r>
-            <a:r>
-              <a:rPr lang="en-GB" dirty="0" err="1"/>
+              <a:t> de dados </a:t>
+            </a:r>
+            <a:r>
+              <a:rPr lang="en-GB" b="1" dirty="0"/>
+              <a:t>NoSQL </a:t>
+            </a:r>
+            <a:r>
+              <a:rPr lang="en-GB" b="1" dirty="0" err="1"/>
               <a:t>são</a:t>
             </a:r>
             <a:r>
-              <a:rPr lang="en-GB" dirty="0"/>
-              <a:t> </a:t>
-            </a:r>
-            <a:r>
-              <a:rPr lang="en-GB" dirty="0" err="1"/>
+              <a:rPr lang="en-GB" b="1" dirty="0"/>
+              <a:t> </a:t>
+            </a:r>
+            <a:r>
+              <a:rPr lang="en-GB" b="1" dirty="0" err="1"/>
               <a:t>feitos</a:t>
             </a:r>
             <a:r>
-              <a:rPr lang="en-GB" dirty="0"/>
+              <a:rPr lang="en-GB" b="1" dirty="0"/>
               <a:t> para </a:t>
             </a:r>
             <a:r>
-              <a:rPr lang="en-GB" dirty="0" err="1"/>
+              <a:rPr lang="en-GB" b="1" dirty="0" err="1"/>
               <a:t>manipular</a:t>
             </a:r>
             <a:r>
-              <a:rPr lang="en-GB" dirty="0"/>
+              <a:rPr lang="en-GB" b="1" dirty="0"/>
               <a:t> dados </a:t>
             </a:r>
             <a:r>
-              <a:rPr lang="en-GB" dirty="0" err="1"/>
+              <a:rPr lang="en-GB" b="1" dirty="0" err="1"/>
               <a:t>não</a:t>
             </a:r>
             <a:r>
-              <a:rPr lang="en-GB" dirty="0"/>
-              <a:t> </a:t>
-            </a:r>
-            <a:r>
-              <a:rPr lang="en-GB" dirty="0" err="1"/>
+              <a:rPr lang="en-GB" b="1" dirty="0"/>
+              <a:t> </a:t>
+            </a:r>
+            <a:r>
+              <a:rPr lang="en-GB" b="1" dirty="0" err="1"/>
               <a:t>estruturados</a:t>
             </a:r>
             <a:r>
-              <a:rPr lang="en-GB" dirty="0"/>
-              <a:t> </a:t>
-            </a:r>
-            <a:r>
-              <a:rPr lang="en-GB" dirty="0" err="1"/>
+              <a:rPr lang="en-GB" b="1" dirty="0"/>
+              <a:t> </a:t>
+            </a:r>
+            <a:r>
+              <a:rPr lang="en-GB" b="1" dirty="0" err="1"/>
               <a:t>como</a:t>
             </a:r>
             <a:r>
-              <a:rPr lang="en-GB" dirty="0"/>
-              <a:t> </a:t>
-            </a:r>
-            <a:r>
-              <a:rPr lang="en-GB" dirty="0" err="1"/>
+              <a:rPr lang="en-GB" b="1" dirty="0"/>
+              <a:t> </a:t>
+            </a:r>
+            <a:r>
+              <a:rPr lang="en-GB" b="1" dirty="0" err="1"/>
               <a:t>os</a:t>
             </a:r>
             <a:r>
-              <a:rPr lang="en-GB" dirty="0"/>
+              <a:rPr lang="en-GB" b="1" dirty="0"/>
               <a:t> posts de </a:t>
             </a:r>
             <a:r>
-              <a:rPr lang="en-GB" dirty="0" err="1"/>
+              <a:rPr lang="en-GB" b="1" dirty="0" err="1"/>
               <a:t>redes</a:t>
             </a:r>
             <a:r>
-              <a:rPr lang="en-GB" dirty="0"/>
-              <a:t> </a:t>
-            </a:r>
-            <a:r>
-              <a:rPr lang="en-GB" dirty="0" err="1"/>
+              <a:rPr lang="en-GB" b="1" dirty="0"/>
+              <a:t> </a:t>
+            </a:r>
+            <a:r>
+              <a:rPr lang="en-GB" b="1" dirty="0" err="1"/>
               <a:t>sociais</a:t>
             </a:r>
             <a:r>
-              <a:rPr lang="en-GB" dirty="0"/>
+              <a:rPr lang="en-GB" b="1" dirty="0"/>
               <a:t>, </a:t>
             </a:r>
             <a:r>
-              <a:rPr lang="en-GB" dirty="0" err="1"/>
+              <a:rPr lang="en-GB" b="1" dirty="0" err="1"/>
               <a:t>vídeos</a:t>
             </a:r>
             <a:r>
-              <a:rPr lang="en-GB" dirty="0"/>
+              <a:rPr lang="en-GB" b="1" dirty="0"/>
               <a:t>, e-mails e </a:t>
             </a:r>
             <a:r>
-              <a:rPr lang="en-GB" dirty="0" err="1"/>
+              <a:rPr lang="en-GB" b="1" dirty="0" err="1"/>
               <a:t>textos</a:t>
             </a:r>
             <a:r>
@@ -6962,42 +6966,42 @@
             </a:r>
             <a:r>
               <a:rPr lang="en-GB" dirty="0"/>
-              <a:t> o NoSQL </a:t>
-            </a:r>
-            <a:r>
-              <a:rPr lang="en-GB" dirty="0" err="1"/>
+              <a:t> o </a:t>
+            </a:r>
+            <a:r>
+              <a:rPr lang="en-GB" b="1" dirty="0"/>
+              <a:t>NoSQL </a:t>
+            </a:r>
+            <a:r>
+              <a:rPr lang="en-GB" b="1" dirty="0" err="1"/>
               <a:t>é</a:t>
             </a:r>
             <a:r>
-              <a:rPr lang="en-GB" dirty="0"/>
+              <a:rPr lang="en-GB" b="1" dirty="0"/>
               <a:t> um banco de dados </a:t>
             </a:r>
             <a:r>
-              <a:rPr lang="en-GB" dirty="0" err="1"/>
-              <a:t>muito</a:t>
-            </a:r>
-            <a:r>
-              <a:rPr lang="en-GB" dirty="0"/>
-              <a:t> </a:t>
-            </a:r>
-            <a:r>
-              <a:rPr lang="en-GB" dirty="0" err="1"/>
+              <a:rPr lang="en-GB" b="1" dirty="0" err="1"/>
               <a:t>mais</a:t>
             </a:r>
             <a:r>
-              <a:rPr lang="en-GB" dirty="0"/>
-              <a:t> </a:t>
-            </a:r>
-            <a:r>
-              <a:rPr lang="en-GB" dirty="0" err="1"/>
+              <a:rPr lang="en-GB" b="1" dirty="0"/>
+              <a:t> </a:t>
+            </a:r>
+            <a:r>
+              <a:rPr lang="en-GB" b="1" dirty="0" err="1"/>
               <a:t>barato</a:t>
             </a:r>
             <a:r>
               <a:rPr lang="en-GB" dirty="0"/>
-              <a:t> de </a:t>
-            </a:r>
-            <a:r>
-              <a:rPr lang="en-GB" dirty="0" err="1"/>
+              <a:t> </a:t>
+            </a:r>
+            <a:r>
+              <a:rPr lang="en-GB" b="1" dirty="0"/>
+              <a:t>de </a:t>
+            </a:r>
+            <a:r>
+              <a:rPr lang="en-GB" b="1" dirty="0" err="1"/>
               <a:t>dimensionar</a:t>
             </a:r>
             <a:r>
@@ -7385,15 +7389,7 @@
           <a:p>
             <a:r>
               <a:rPr lang="en-US" dirty="0" err="1"/>
-              <a:t>Vantagen</a:t>
-            </a:r>
-            <a:r>
-              <a:rPr lang="en-US" dirty="0"/>
-              <a:t>/</a:t>
-            </a:r>
-            <a:r>
-              <a:rPr lang="en-US" dirty="0" err="1"/>
-              <a:t>Desvantagens</a:t>
+              <a:t>Diferença</a:t>
             </a:r>
             <a:r>
               <a:rPr lang="en-US" dirty="0"/>
@@ -7426,10 +7422,35 @@
         </p:spPr>
         <p:txBody>
           <a:bodyPr>
-            <a:normAutofit/>
+            <a:normAutofit fontScale="92500" lnSpcReduction="10000"/>
           </a:bodyPr>
           <a:lstStyle/>
           <a:p>
+            <a:pPr algn="just"/>
+            <a:r>
+              <a:rPr lang="en-GB" b="1" dirty="0" err="1"/>
+              <a:t>Vantagens</a:t>
+            </a:r>
+            <a:r>
+              <a:rPr lang="en-GB" b="1" dirty="0"/>
+              <a:t> x </a:t>
+            </a:r>
+            <a:r>
+              <a:rPr lang="en-GB" b="1" dirty="0" err="1"/>
+              <a:t>Desvantagens</a:t>
+            </a:r>
+            <a:r>
+              <a:rPr lang="en-GB" b="1" dirty="0"/>
+              <a:t> </a:t>
+            </a:r>
+          </a:p>
+          <a:p>
+            <a:pPr marL="0" indent="0" algn="just">
+              <a:buNone/>
+            </a:pPr>
+            <a:endParaRPr lang="en-GB" dirty="0"/>
+          </a:p>
+          <a:p>
             <a:pPr fontAlgn="base"/>
             <a:r>
               <a:rPr lang="en-GB" dirty="0"/>
@@ -7592,60 +7613,64 @@
               <a:t> </a:t>
             </a:r>
             <a:r>
-              <a:rPr lang="en-GB" dirty="0" err="1"/>
+              <a:rPr lang="en-GB" b="1" dirty="0" err="1"/>
               <a:t>fácil</a:t>
             </a:r>
             <a:r>
-              <a:rPr lang="en-GB" dirty="0"/>
-              <a:t> </a:t>
-            </a:r>
-            <a:r>
-              <a:rPr lang="en-GB" dirty="0" err="1"/>
+              <a:rPr lang="en-GB" b="1" dirty="0"/>
+              <a:t> </a:t>
+            </a:r>
+            <a:r>
+              <a:rPr lang="en-GB" b="1" dirty="0" err="1"/>
               <a:t>encontrar</a:t>
             </a:r>
             <a:r>
-              <a:rPr lang="en-GB" dirty="0"/>
-              <a:t> </a:t>
-            </a:r>
-            <a:r>
-              <a:rPr lang="en-GB" dirty="0" err="1"/>
+              <a:rPr lang="en-GB" b="1" dirty="0"/>
+              <a:t> </a:t>
+            </a:r>
+            <a:r>
+              <a:rPr lang="en-GB" b="1" dirty="0" err="1"/>
               <a:t>profissionais</a:t>
             </a:r>
             <a:r>
-              <a:rPr lang="en-GB" dirty="0"/>
-              <a:t> </a:t>
-            </a:r>
-            <a:r>
-              <a:rPr lang="en-GB" dirty="0" err="1"/>
+              <a:rPr lang="en-GB" b="1" dirty="0"/>
+              <a:t> </a:t>
+            </a:r>
+            <a:r>
+              <a:rPr lang="en-GB" b="1" dirty="0" err="1"/>
               <a:t>qualificados</a:t>
             </a:r>
             <a:r>
-              <a:rPr lang="en-GB" dirty="0"/>
+              <a:rPr lang="en-GB" b="1" dirty="0"/>
               <a:t> para </a:t>
             </a:r>
             <a:r>
-              <a:rPr lang="en-GB" dirty="0" err="1"/>
+              <a:rPr lang="en-GB" b="1" dirty="0" err="1"/>
               <a:t>trabalhar</a:t>
             </a:r>
             <a:r>
-              <a:rPr lang="en-GB" dirty="0"/>
+              <a:rPr lang="en-GB" b="1" dirty="0"/>
               <a:t> com </a:t>
             </a:r>
             <a:r>
-              <a:rPr lang="en-GB" dirty="0" err="1"/>
+              <a:rPr lang="en-GB" b="1" dirty="0" err="1"/>
               <a:t>esse</a:t>
             </a:r>
             <a:r>
-              <a:rPr lang="en-GB" dirty="0"/>
-              <a:t> </a:t>
-            </a:r>
-            <a:r>
-              <a:rPr lang="en-GB" dirty="0" err="1"/>
+              <a:rPr lang="en-GB" b="1" dirty="0"/>
+              <a:t> </a:t>
+            </a:r>
+            <a:r>
+              <a:rPr lang="en-GB" b="1" dirty="0" err="1"/>
               <a:t>tipo</a:t>
             </a:r>
             <a:r>
-              <a:rPr lang="en-GB" dirty="0"/>
-              <a:t> de banco de dados. No </a:t>
+              <a:rPr lang="en-GB" b="1" dirty="0"/>
+              <a:t> de banco de dados</a:t>
+            </a:r>
+            <a:r>
+              <a:rPr lang="en-GB" dirty="0"/>
+              <a:t>. No </a:t>
             </a:r>
             <a:r>
               <a:rPr lang="en-GB" dirty="0" err="1"/>
@@ -8984,7 +9009,7 @@
         </p:nvSpPr>
         <p:spPr>
           <a:xfrm>
-            <a:off x="6206596" y="643666"/>
+            <a:off x="6210829" y="918301"/>
             <a:ext cx="3657600" cy="1754326"/>
           </a:xfrm>
           <a:prstGeom prst="rect">
@@ -9019,19 +9044,6 @@
             </a:gsLst>
             <a:lin ang="5400000" scaled="1"/>
           </a:gradFill>
-          <a:effectLst>
-            <a:outerShdw blurRad="381000" dist="203200" algn="ctr" rotWithShape="0">
-              <a:srgbClr val="000000"/>
-            </a:outerShdw>
-            <a:reflection stA="0" endPos="43000" dir="5400000" sy="-100000" algn="bl" rotWithShape="0"/>
-          </a:effectLst>
-          <a:scene3d>
-            <a:camera prst="orthographicFront"/>
-            <a:lightRig rig="threePt" dir="t"/>
-          </a:scene3d>
-          <a:sp3d extrusionH="241300">
-            <a:bevelT w="0" prst="coolSlant"/>
-          </a:sp3d>
         </p:spPr>
         <p:txBody>
           <a:bodyPr wrap="square" rtlCol="0">
@@ -9115,7 +9127,7 @@
           </a:prstGeom>
           <a:solidFill>
             <a:schemeClr val="accent1">
-              <a:alpha val="23000"/>
+              <a:alpha val="26000"/>
             </a:schemeClr>
           </a:solidFill>
         </p:spPr>
@@ -9298,33 +9310,6 @@
               <a:t> Bean Validation para Request de entrada de dados</a:t>
             </a:r>
           </a:p>
-          <a:p>
-            <a:r>
-              <a:rPr lang="en-US" dirty="0" err="1"/>
-              <a:t>Tratamento</a:t>
-            </a:r>
-            <a:r>
-              <a:rPr lang="en-US" dirty="0"/>
-              <a:t> de </a:t>
-            </a:r>
-            <a:r>
-              <a:rPr lang="en-GB" dirty="0" err="1"/>
-              <a:t>exceção</a:t>
-            </a:r>
-            <a:r>
-              <a:rPr lang="en-GB" dirty="0"/>
-              <a:t>/Exception via </a:t>
-            </a:r>
-            <a:r>
-              <a:rPr lang="en-GB" dirty="0" err="1"/>
-              <a:t>ControllerAdvice</a:t>
-            </a:r>
-            <a:r>
-              <a:rPr lang="en-GB" dirty="0"/>
-              <a:t> (Error Handler)</a:t>
-            </a:r>
-            <a:endParaRPr lang="en-US" dirty="0"/>
-          </a:p>
         </p:txBody>
       </p:sp>
       <p:sp>
@@ -9549,6 +9534,30 @@
             </a:r>
             <a:r>
               <a:rPr lang="en-US" dirty="0" err="1"/>
+              <a:t>em</a:t>
+            </a:r>
+            <a:r>
+              <a:rPr lang="en-US" dirty="0"/>
+              <a:t> banco de dados </a:t>
+            </a:r>
+            <a:r>
+              <a:rPr lang="en-US" dirty="0" err="1"/>
+              <a:t>Sql</a:t>
+            </a:r>
+            <a:r>
+              <a:rPr lang="en-US" dirty="0"/>
+              <a:t> e </a:t>
+            </a:r>
+            <a:r>
+              <a:rPr lang="en-US" dirty="0" err="1"/>
+              <a:t>NoSql</a:t>
+            </a:r>
+            <a:r>
+              <a:rPr lang="en-US" dirty="0"/>
+              <a:t> </a:t>
+            </a:r>
+            <a:r>
+              <a:rPr lang="en-US" dirty="0" err="1"/>
               <a:t>através</a:t>
             </a:r>
             <a:r>
@@ -9569,7 +9578,7 @@
             </a:r>
             <a:r>
               <a:rPr lang="en-US" dirty="0"/>
-              <a:t> com Java/</a:t>
+              <a:t> com Java 11/</a:t>
             </a:r>
             <a:r>
               <a:rPr lang="en-US" dirty="0" err="1"/>
@@ -9605,15 +9614,15 @@
             </a:r>
             <a:r>
               <a:rPr lang="en-US" dirty="0" err="1"/>
-              <a:t>os</a:t>
+              <a:t>padrões</a:t>
             </a:r>
             <a:r>
               <a:rPr lang="en-US" dirty="0"/>
-              <a:t> </a:t>
+              <a:t> de de </a:t>
             </a:r>
             <a:r>
               <a:rPr lang="en-US" dirty="0" err="1"/>
-              <a:t>padrões</a:t>
+              <a:t>projeto</a:t>
             </a:r>
             <a:r>
               <a:rPr lang="en-US" dirty="0"/>
@@ -9628,7 +9637,7 @@
             <a:pPr algn="just"/>
             <a:r>
               <a:rPr lang="en-US" dirty="0" err="1"/>
-              <a:t>Citar</a:t>
+              <a:t>Comentar</a:t>
             </a:r>
             <a:r>
               <a:rPr lang="en-US" dirty="0"/>
@@ -9694,6 +9703,10 @@
           </a:p>
           <a:p>
             <a:pPr algn="just"/>
+            <a:r>
+              <a:rPr lang="en-US" dirty="0"/>
+              <a:t>Para que serve? </a:t>
+            </a:r>
             <a:r>
               <a:rPr lang="en-US" dirty="0" err="1"/>
               <a:t>Esse</a:t>
@@ -10587,7 +10600,7 @@
             <a:pPr algn="just"/>
             <a:r>
               <a:rPr lang="en-GB" b="1" dirty="0"/>
-              <a:t>MongoDB</a:t>
+              <a:t>MongoDB Compass</a:t>
             </a:r>
             <a:r>
               <a:rPr lang="en-GB" dirty="0"/>
@@ -10892,11 +10905,15 @@
             <a:pPr algn="just"/>
             <a:r>
               <a:rPr lang="en-US" b="1" dirty="0"/>
-              <a:t>APIs: </a:t>
-            </a:r>
-            <a:r>
-              <a:rPr lang="en-GB" dirty="0"/>
-              <a:t>APIs </a:t>
+              <a:t>APIs: (</a:t>
+            </a:r>
+            <a:r>
+              <a:rPr lang="en-GB" dirty="0"/>
+              <a:t>Application Programming Interface</a:t>
+            </a:r>
+            <a:r>
+              <a:rPr lang="en-US" b="1" dirty="0"/>
+              <a:t>), </a:t>
             </a:r>
             <a:r>
               <a:rPr lang="en-GB" dirty="0" err="1"/>
@@ -12264,8 +12281,8 @@
           </a:p>
           <a:p>
             <a:r>
-              <a:rPr lang="en-US"/>
-              <a:t>Postgres SQL</a:t>
+              <a:rPr lang="en-US" dirty="0" err="1"/>
+              <a:t>PostgresSQL</a:t>
             </a:r>
             <a:endParaRPr lang="en-US" dirty="0"/>
           </a:p>
@@ -12336,6 +12353,36 @@
           </a:p>
         </p:txBody>
       </p:sp>
+      <p:pic>
+        <p:nvPicPr>
+          <p:cNvPr id="7" name="Picture 6">
+            <a:extLst>
+              <a:ext uri="{FF2B5EF4-FFF2-40B4-BE49-F238E27FC236}">
+                <a16:creationId xmlns:a16="http://schemas.microsoft.com/office/drawing/2014/main" id="{653A6458-EA75-3741-BAED-B08E464754C6}"/>
+              </a:ext>
+            </a:extLst>
+          </p:cNvPr>
+          <p:cNvPicPr>
+            <a:picLocks noChangeAspect="1"/>
+          </p:cNvPicPr>
+          <p:nvPr/>
+        </p:nvPicPr>
+        <p:blipFill>
+          <a:blip r:embed="rId2"/>
+          <a:stretch>
+            <a:fillRect/>
+          </a:stretch>
+        </p:blipFill>
+        <p:spPr>
+          <a:xfrm rot="21319338">
+            <a:off x="1513709" y="3654830"/>
+            <a:ext cx="7819478" cy="1840567"/>
+          </a:xfrm>
+          <a:prstGeom prst="rect">
+            <a:avLst/>
+          </a:prstGeom>
+        </p:spPr>
+      </p:pic>
     </p:spTree>
     <p:extLst>
       <p:ext uri="{BB962C8B-B14F-4D97-AF65-F5344CB8AC3E}">
@@ -12555,6 +12602,105 @@
           </a:p>
         </p:txBody>
       </p:sp>
+      <p:pic>
+        <p:nvPicPr>
+          <p:cNvPr id="6" name="Picture 5">
+            <a:extLst>
+              <a:ext uri="{FF2B5EF4-FFF2-40B4-BE49-F238E27FC236}">
+                <a16:creationId xmlns:a16="http://schemas.microsoft.com/office/drawing/2014/main" id="{BEF2C453-FB07-9845-9EF2-906A33CFB894}"/>
+              </a:ext>
+            </a:extLst>
+          </p:cNvPr>
+          <p:cNvPicPr>
+            <a:picLocks noChangeAspect="1"/>
+          </p:cNvPicPr>
+          <p:nvPr/>
+        </p:nvPicPr>
+        <p:blipFill>
+          <a:blip r:embed="rId2"/>
+          <a:stretch>
+            <a:fillRect/>
+          </a:stretch>
+        </p:blipFill>
+        <p:spPr>
+          <a:xfrm rot="21387407">
+            <a:off x="5521387" y="2728665"/>
+            <a:ext cx="3556000" cy="1765300"/>
+          </a:xfrm>
+          <a:prstGeom prst="rect">
+            <a:avLst/>
+          </a:prstGeom>
+        </p:spPr>
+      </p:pic>
+      <p:pic>
+        <p:nvPicPr>
+          <p:cNvPr id="7" name="Picture 6">
+            <a:extLst>
+              <a:ext uri="{FF2B5EF4-FFF2-40B4-BE49-F238E27FC236}">
+                <a16:creationId xmlns:a16="http://schemas.microsoft.com/office/drawing/2014/main" id="{4EFF5B35-468A-6B4C-9AA0-E4D551C19B00}"/>
+              </a:ext>
+            </a:extLst>
+          </p:cNvPr>
+          <p:cNvPicPr>
+            <a:picLocks noChangeAspect="1"/>
+          </p:cNvPicPr>
+          <p:nvPr/>
+        </p:nvPicPr>
+        <p:blipFill>
+          <a:blip r:embed="rId3"/>
+          <a:stretch>
+            <a:fillRect/>
+          </a:stretch>
+        </p:blipFill>
+        <p:spPr>
+          <a:xfrm rot="20956737">
+            <a:off x="781435" y="3870435"/>
+            <a:ext cx="4584700" cy="1549400"/>
+          </a:xfrm>
+          <a:prstGeom prst="rect">
+            <a:avLst/>
+          </a:prstGeom>
+        </p:spPr>
+      </p:pic>
+      <p:cxnSp>
+        <p:nvCxnSpPr>
+          <p:cNvPr id="10" name="Curved Connector 9">
+            <a:extLst>
+              <a:ext uri="{FF2B5EF4-FFF2-40B4-BE49-F238E27FC236}">
+                <a16:creationId xmlns:a16="http://schemas.microsoft.com/office/drawing/2014/main" id="{2096ADCA-89AE-2242-97F2-702C0767B336}"/>
+              </a:ext>
+            </a:extLst>
+          </p:cNvPr>
+          <p:cNvCxnSpPr/>
+          <p:nvPr/>
+        </p:nvCxnSpPr>
+        <p:spPr>
+          <a:xfrm flipV="1">
+            <a:off x="3710152" y="3670627"/>
+            <a:ext cx="2112579" cy="735724"/>
+          </a:xfrm>
+          <a:prstGeom prst="curvedConnector3">
+            <a:avLst/>
+          </a:prstGeom>
+          <a:ln w="50800">
+            <a:tailEnd type="triangle"/>
+          </a:ln>
+        </p:spPr>
+        <p:style>
+          <a:lnRef idx="1">
+            <a:schemeClr val="accent1"/>
+          </a:lnRef>
+          <a:fillRef idx="0">
+            <a:schemeClr val="accent1"/>
+          </a:fillRef>
+          <a:effectRef idx="0">
+            <a:schemeClr val="accent1"/>
+          </a:effectRef>
+          <a:fontRef idx="minor">
+            <a:schemeClr val="tx1"/>
+          </a:fontRef>
+        </p:style>
+      </p:cxnSp>
     </p:spTree>
     <p:extLst>
       <p:ext uri="{BB962C8B-B14F-4D97-AF65-F5344CB8AC3E}">

--- a/presentation/Senac.pptx
+++ b/presentation/Senac.pptx
@@ -5,7 +5,7 @@
     <p:sldMasterId id="2147483648" r:id="rId1"/>
   </p:sldMasterIdLst>
   <p:notesMasterIdLst>
-    <p:notesMasterId r:id="rId17"/>
+    <p:notesMasterId r:id="rId18"/>
   </p:notesMasterIdLst>
   <p:sldIdLst>
     <p:sldId id="256" r:id="rId2"/>
@@ -22,7 +22,8 @@
     <p:sldId id="264" r:id="rId13"/>
     <p:sldId id="265" r:id="rId14"/>
     <p:sldId id="268" r:id="rId15"/>
-    <p:sldId id="267" r:id="rId16"/>
+    <p:sldId id="271" r:id="rId16"/>
+    <p:sldId id="267" r:id="rId17"/>
   </p:sldIdLst>
   <p:sldSz cx="12192000" cy="6858000"/>
   <p:notesSz cx="6858000" cy="9144000"/>
@@ -9233,6 +9234,231 @@
           <p:cNvPr id="2" name="Title 1">
             <a:extLst>
               <a:ext uri="{FF2B5EF4-FFF2-40B4-BE49-F238E27FC236}">
+                <a16:creationId xmlns:a16="http://schemas.microsoft.com/office/drawing/2014/main" id="{C0FBB751-C5C6-BD42-AFE5-02AFFB6125B0}"/>
+              </a:ext>
+            </a:extLst>
+          </p:cNvPr>
+          <p:cNvSpPr>
+            <a:spLocks noGrp="1"/>
+          </p:cNvSpPr>
+          <p:nvPr>
+            <p:ph type="title"/>
+          </p:nvPr>
+        </p:nvSpPr>
+        <p:spPr/>
+        <p:txBody>
+          <a:bodyPr/>
+          <a:lstStyle/>
+          <a:p>
+            <a:r>
+              <a:rPr lang="en-US" dirty="0" err="1"/>
+              <a:t>Repositorio</a:t>
+            </a:r>
+            <a:r>
+              <a:rPr lang="en-US" dirty="0"/>
+              <a:t> e </a:t>
+            </a:r>
+            <a:r>
+              <a:rPr lang="en-US" dirty="0" err="1"/>
+              <a:t>documentos</a:t>
+            </a:r>
+            <a:r>
+              <a:rPr lang="en-US" dirty="0"/>
+              <a:t> </a:t>
+            </a:r>
+            <a:r>
+              <a:rPr lang="en-US" dirty="0" err="1"/>
+              <a:t>auxiliares</a:t>
+            </a:r>
+            <a:endParaRPr lang="en-US" dirty="0"/>
+          </a:p>
+        </p:txBody>
+      </p:sp>
+      <p:sp>
+        <p:nvSpPr>
+          <p:cNvPr id="3" name="Content Placeholder 2">
+            <a:extLst>
+              <a:ext uri="{FF2B5EF4-FFF2-40B4-BE49-F238E27FC236}">
+                <a16:creationId xmlns:a16="http://schemas.microsoft.com/office/drawing/2014/main" id="{D1AB441F-C40B-9446-B243-598D3AF29EC2}"/>
+              </a:ext>
+            </a:extLst>
+          </p:cNvPr>
+          <p:cNvSpPr>
+            <a:spLocks noGrp="1"/>
+          </p:cNvSpPr>
+          <p:nvPr>
+            <p:ph idx="1"/>
+          </p:nvPr>
+        </p:nvSpPr>
+        <p:spPr/>
+        <p:txBody>
+          <a:bodyPr/>
+          <a:lstStyle/>
+          <a:p>
+            <a:r>
+              <a:rPr lang="en-US" dirty="0"/>
+              <a:t>Código</a:t>
+            </a:r>
+          </a:p>
+          <a:p>
+            <a:pPr lvl="1"/>
+            <a:r>
+              <a:rPr lang="en-US" dirty="0">
+                <a:solidFill>
+                  <a:schemeClr val="tx1"/>
+                </a:solidFill>
+                <a:hlinkClick r:id="rId2">
+                  <a:extLst>
+                    <a:ext uri="{A12FA001-AC4F-418D-AE19-62706E023703}">
+                      <ahyp:hlinkClr xmlns:ahyp="http://schemas.microsoft.com/office/drawing/2018/hyperlinkcolor" val="tx"/>
+                    </a:ext>
+                  </a:extLst>
+                </a:hlinkClick>
+              </a:rPr>
+              <a:t>https://github.com/evertongodoy/senac-db</a:t>
+            </a:r>
+            <a:endParaRPr lang="en-US" dirty="0">
+              <a:solidFill>
+                <a:schemeClr val="tx1"/>
+              </a:solidFill>
+            </a:endParaRPr>
+          </a:p>
+          <a:p>
+            <a:r>
+              <a:rPr lang="en-US" dirty="0" err="1"/>
+              <a:t>Documentos</a:t>
+            </a:r>
+            <a:endParaRPr lang="en-US" dirty="0"/>
+          </a:p>
+          <a:p>
+            <a:endParaRPr lang="en-US" dirty="0"/>
+          </a:p>
+        </p:txBody>
+      </p:sp>
+      <p:sp>
+        <p:nvSpPr>
+          <p:cNvPr id="4" name="Date Placeholder 3">
+            <a:extLst>
+              <a:ext uri="{FF2B5EF4-FFF2-40B4-BE49-F238E27FC236}">
+                <a16:creationId xmlns:a16="http://schemas.microsoft.com/office/drawing/2014/main" id="{2F8000D4-DA38-9945-AFFB-7EDA9CF4BC28}"/>
+              </a:ext>
+            </a:extLst>
+          </p:cNvPr>
+          <p:cNvSpPr>
+            <a:spLocks noGrp="1"/>
+          </p:cNvSpPr>
+          <p:nvPr>
+            <p:ph type="dt" sz="half" idx="10"/>
+          </p:nvPr>
+        </p:nvSpPr>
+        <p:spPr/>
+        <p:txBody>
+          <a:bodyPr/>
+          <a:lstStyle/>
+          <a:p>
+            <a:fld id="{37D45886-312E-3345-823A-35C709C8977E}" type="datetime1">
+              <a:rPr lang="en-GB" smtClean="0"/>
+              <a:t>24/06/2024</a:t>
+            </a:fld>
+            <a:endParaRPr lang="en-US" dirty="0"/>
+          </a:p>
+        </p:txBody>
+      </p:sp>
+      <p:sp>
+        <p:nvSpPr>
+          <p:cNvPr id="5" name="Slide Number Placeholder 4">
+            <a:extLst>
+              <a:ext uri="{FF2B5EF4-FFF2-40B4-BE49-F238E27FC236}">
+                <a16:creationId xmlns:a16="http://schemas.microsoft.com/office/drawing/2014/main" id="{BDFF9D12-1405-A04F-A9D6-BC8095CC126F}"/>
+              </a:ext>
+            </a:extLst>
+          </p:cNvPr>
+          <p:cNvSpPr>
+            <a:spLocks noGrp="1"/>
+          </p:cNvSpPr>
+          <p:nvPr>
+            <p:ph type="sldNum" sz="quarter" idx="12"/>
+          </p:nvPr>
+        </p:nvSpPr>
+        <p:spPr/>
+        <p:txBody>
+          <a:bodyPr/>
+          <a:lstStyle/>
+          <a:p>
+            <a:fld id="{D57F1E4F-1CFF-5643-939E-217C01CDF565}" type="slidenum">
+              <a:rPr lang="en-US" smtClean="0"/>
+              <a:pPr/>
+              <a:t>15</a:t>
+            </a:fld>
+            <a:endParaRPr lang="en-US" dirty="0"/>
+          </a:p>
+        </p:txBody>
+      </p:sp>
+      <p:pic>
+        <p:nvPicPr>
+          <p:cNvPr id="6" name="Picture 5">
+            <a:extLst>
+              <a:ext uri="{FF2B5EF4-FFF2-40B4-BE49-F238E27FC236}">
+                <a16:creationId xmlns:a16="http://schemas.microsoft.com/office/drawing/2014/main" id="{046111ED-0132-3542-A763-0B18DB104452}"/>
+              </a:ext>
+            </a:extLst>
+          </p:cNvPr>
+          <p:cNvPicPr>
+            <a:picLocks noChangeAspect="1"/>
+          </p:cNvPicPr>
+          <p:nvPr/>
+        </p:nvPicPr>
+        <p:blipFill>
+          <a:blip r:embed="rId3"/>
+          <a:stretch>
+            <a:fillRect/>
+          </a:stretch>
+        </p:blipFill>
+        <p:spPr>
+          <a:xfrm>
+            <a:off x="1159619" y="3388575"/>
+            <a:ext cx="4095531" cy="2652787"/>
+          </a:xfrm>
+          <a:prstGeom prst="rect">
+            <a:avLst/>
+          </a:prstGeom>
+        </p:spPr>
+      </p:pic>
+    </p:spTree>
+    <p:extLst>
+      <p:ext uri="{BB962C8B-B14F-4D97-AF65-F5344CB8AC3E}">
+        <p14:creationId xmlns:p14="http://schemas.microsoft.com/office/powerpoint/2010/main" val="2701876633"/>
+      </p:ext>
+    </p:extLst>
+  </p:cSld>
+  <p:clrMapOvr>
+    <a:masterClrMapping/>
+  </p:clrMapOvr>
+</p:sld>
+</file>
+
+<file path=ppt/slides/slide16.xml><?xml version="1.0" encoding="utf-8"?>
+<p:sld xmlns:a="http://schemas.openxmlformats.org/drawingml/2006/main" xmlns:r="http://schemas.openxmlformats.org/officeDocument/2006/relationships" xmlns:p="http://schemas.openxmlformats.org/presentationml/2006/main">
+  <p:cSld>
+    <p:spTree>
+      <p:nvGrpSpPr>
+        <p:cNvPr id="1" name=""/>
+        <p:cNvGrpSpPr/>
+        <p:nvPr/>
+      </p:nvGrpSpPr>
+      <p:grpSpPr>
+        <a:xfrm>
+          <a:off x="0" y="0"/>
+          <a:ext cx="0" cy="0"/>
+          <a:chOff x="0" y="0"/>
+          <a:chExt cx="0" cy="0"/>
+        </a:xfrm>
+      </p:grpSpPr>
+      <p:sp>
+        <p:nvSpPr>
+          <p:cNvPr id="2" name="Title 1">
+            <a:extLst>
+              <a:ext uri="{FF2B5EF4-FFF2-40B4-BE49-F238E27FC236}">
                 <a16:creationId xmlns:a16="http://schemas.microsoft.com/office/drawing/2014/main" id="{405F66E4-E021-2940-9D5A-A0BEDD6BFB41}"/>
               </a:ext>
             </a:extLst>
@@ -9310,6 +9536,21 @@
               <a:t> Bean Validation para Request de entrada de dados</a:t>
             </a:r>
           </a:p>
+          <a:p>
+            <a:r>
+              <a:rPr lang="en-US" dirty="0" err="1"/>
+              <a:t>Desenvolver</a:t>
+            </a:r>
+            <a:r>
+              <a:rPr lang="en-US" dirty="0"/>
+              <a:t> Controller Advice / </a:t>
+            </a:r>
+            <a:r>
+              <a:rPr lang="en-US"/>
+              <a:t>Error Handler</a:t>
+            </a:r>
+            <a:endParaRPr lang="en-US" dirty="0"/>
+          </a:p>
         </p:txBody>
       </p:sp>
       <p:sp>
@@ -9365,7 +9606,7 @@
             <a:fld id="{D57F1E4F-1CFF-5643-939E-217C01CDF565}" type="slidenum">
               <a:rPr lang="en-US" smtClean="0"/>
               <a:pPr/>
-              <a:t>15</a:t>
+              <a:t>16</a:t>
             </a:fld>
             <a:endParaRPr lang="en-US" dirty="0"/>
           </a:p>
